--- a/Walkthrough.pptx
+++ b/Walkthrough.pptx
@@ -14,7 +14,18 @@
     <p:sldId id="263" r:id="rId8"/>
     <p:sldId id="264" r:id="rId9"/>
     <p:sldId id="265" r:id="rId10"/>
-    <p:sldId id="266" r:id="rId11"/>
+    <p:sldId id="267" r:id="rId11"/>
+    <p:sldId id="266" r:id="rId12"/>
+    <p:sldId id="268" r:id="rId13"/>
+    <p:sldId id="269" r:id="rId14"/>
+    <p:sldId id="270" r:id="rId15"/>
+    <p:sldId id="271" r:id="rId16"/>
+    <p:sldId id="272" r:id="rId17"/>
+    <p:sldId id="273" r:id="rId18"/>
+    <p:sldId id="274" r:id="rId19"/>
+    <p:sldId id="275" r:id="rId20"/>
+    <p:sldId id="276" r:id="rId21"/>
+    <p:sldId id="277" r:id="rId22"/>
   </p:sldIdLst>
   <p:sldSz cx="12192000" cy="6858000"/>
   <p:notesSz cx="6858000" cy="9144000"/>
@@ -3095,8 +3106,8 @@
           </a:lstStyle>
           <a:p>
             <a:r>
-              <a:rPr lang="en-US" smtClean="0"/>
-              <a:t>Manage Car</a:t>
+              <a:rPr lang="en-US" dirty="0" smtClean="0"/>
+              <a:t>Manage Cars</a:t>
             </a:r>
             <a:endParaRPr lang="en-US" dirty="0"/>
           </a:p>
@@ -3110,8 +3121,8 @@
         </p:nvSpPr>
         <p:spPr>
           <a:xfrm>
-            <a:off x="482600" y="2757101"/>
-            <a:ext cx="5270500" cy="1754326"/>
+            <a:off x="482600" y="2655501"/>
+            <a:ext cx="4889500" cy="1477328"/>
           </a:xfrm>
           <a:prstGeom prst="rect">
             <a:avLst/>
@@ -3126,14 +3137,15 @@
           <a:p>
             <a:r>
               <a:rPr lang="en-US" dirty="0" smtClean="0"/>
-              <a:t>By clicking the ’Long Term’ button in the previous form, the user is taken to the Available Cars form which shows all the available long term cars for the staff member. The user can also filter the list by car class or location using either one of the two or both combo boxes and clicking update.</a:t>
-            </a:r>
+              <a:t>Selecting ’Out on Loan’ from the combo box shows all the cars that are currently loaned out. The user can then select a desired car from the list and click the Manage button where they will be taken to the Car’s page.</a:t>
+            </a:r>
+            <a:endParaRPr lang="en-US" dirty="0" smtClean="0"/>
           </a:p>
         </p:txBody>
       </p:sp>
       <p:pic>
         <p:nvPicPr>
-          <p:cNvPr id="3" name="Content Placeholder 2"/>
+          <p:cNvPr id="5" name="Content Placeholder 4"/>
           <p:cNvPicPr>
             <a:picLocks noGrp="1" noChangeAspect="1"/>
           </p:cNvPicPr>
@@ -3155,8 +3167,150 @@
         </p:blipFill>
         <p:spPr>
           <a:xfrm>
-            <a:off x="6016438" y="1458595"/>
-            <a:ext cx="5620123" cy="4351338"/>
+            <a:off x="5753100" y="1458595"/>
+            <a:ext cx="6088097" cy="4351338"/>
+          </a:xfrm>
+        </p:spPr>
+      </p:pic>
+    </p:spTree>
+    <p:extLst>
+      <p:ext uri="{BB962C8B-B14F-4D97-AF65-F5344CB8AC3E}">
+        <p14:creationId xmlns:p14="http://schemas.microsoft.com/office/powerpoint/2010/main" val="805436600"/>
+      </p:ext>
+    </p:extLst>
+  </p:cSld>
+  <p:clrMapOvr>
+    <a:masterClrMapping/>
+  </p:clrMapOvr>
+</p:sld>
+</file>
+
+<file path=ppt/slides/slide11.xml><?xml version="1.0" encoding="utf-8"?>
+<p:sld xmlns:a="http://schemas.openxmlformats.org/drawingml/2006/main" xmlns:r="http://schemas.openxmlformats.org/officeDocument/2006/relationships" xmlns:p="http://schemas.openxmlformats.org/presentationml/2006/main">
+  <p:cSld>
+    <p:spTree>
+      <p:nvGrpSpPr>
+        <p:cNvPr id="1" name=""/>
+        <p:cNvGrpSpPr/>
+        <p:nvPr/>
+      </p:nvGrpSpPr>
+      <p:grpSpPr>
+        <a:xfrm>
+          <a:off x="0" y="0"/>
+          <a:ext cx="0" cy="0"/>
+          <a:chOff x="0" y="0"/>
+          <a:chExt cx="0" cy="0"/>
+        </a:xfrm>
+      </p:grpSpPr>
+      <p:sp>
+        <p:nvSpPr>
+          <p:cNvPr id="4" name="Title 1"/>
+          <p:cNvSpPr txBox="1">
+            <a:spLocks/>
+          </p:cNvSpPr>
+          <p:nvPr/>
+        </p:nvSpPr>
+        <p:spPr>
+          <a:xfrm>
+            <a:off x="279400" y="241300"/>
+            <a:ext cx="4406900" cy="1325563"/>
+          </a:xfrm>
+          <a:prstGeom prst="rect">
+            <a:avLst/>
+          </a:prstGeom>
+        </p:spPr>
+        <p:txBody>
+          <a:bodyPr vert="horz" lIns="91440" tIns="45720" rIns="91440" bIns="45720" rtlCol="0" anchor="ctr">
+            <a:normAutofit/>
+          </a:bodyPr>
+          <a:lstStyle>
+            <a:lvl1pPr algn="l" defTabSz="914400" rtl="0" eaLnBrk="1" latinLnBrk="0" hangingPunct="1">
+              <a:lnSpc>
+                <a:spcPct val="90000"/>
+              </a:lnSpc>
+              <a:spcBef>
+                <a:spcPct val="0"/>
+              </a:spcBef>
+              <a:buNone/>
+              <a:defRPr sz="4400" kern="1200">
+                <a:solidFill>
+                  <a:schemeClr val="tx1"/>
+                </a:solidFill>
+                <a:latin typeface="+mj-lt"/>
+                <a:ea typeface="+mj-ea"/>
+                <a:cs typeface="+mj-cs"/>
+              </a:defRPr>
+            </a:lvl1pPr>
+          </a:lstStyle>
+          <a:p>
+            <a:r>
+              <a:rPr lang="en-US" dirty="0" smtClean="0"/>
+              <a:t>Manage Car</a:t>
+            </a:r>
+            <a:endParaRPr lang="en-US" dirty="0"/>
+          </a:p>
+        </p:txBody>
+      </p:sp>
+      <p:sp>
+        <p:nvSpPr>
+          <p:cNvPr id="6" name="TextBox 5"/>
+          <p:cNvSpPr txBox="1"/>
+          <p:nvPr/>
+        </p:nvSpPr>
+        <p:spPr>
+          <a:xfrm>
+            <a:off x="279400" y="2604701"/>
+            <a:ext cx="5270500" cy="2308324"/>
+          </a:xfrm>
+          <a:prstGeom prst="rect">
+            <a:avLst/>
+          </a:prstGeom>
+          <a:noFill/>
+        </p:spPr>
+        <p:txBody>
+          <a:bodyPr wrap="square" rtlCol="0">
+            <a:spAutoFit/>
+          </a:bodyPr>
+          <a:lstStyle/>
+          <a:p>
+            <a:r>
+              <a:rPr lang="en-US" dirty="0" smtClean="0"/>
+              <a:t>Selecting ‘Awaiting Prep’ from the combo box shows all the cars that have recently been returned and are now awaiting to be checked and prepared for rental. The user can then select a desired car from the list and click the Manage button where they will be taken to the Car’s page. </a:t>
+            </a:r>
+            <a:r>
+              <a:rPr lang="en-US" dirty="0" smtClean="0"/>
+              <a:t>They can also click the Check button in order to check in and prepare the selected car. This will take them to the Car check in page. </a:t>
+            </a:r>
+            <a:endParaRPr lang="en-US" dirty="0" smtClean="0"/>
+          </a:p>
+        </p:txBody>
+      </p:sp>
+      <p:pic>
+        <p:nvPicPr>
+          <p:cNvPr id="5" name="Content Placeholder 4"/>
+          <p:cNvPicPr>
+            <a:picLocks noGrp="1" noChangeAspect="1"/>
+          </p:cNvPicPr>
+          <p:nvPr>
+            <p:ph idx="1"/>
+          </p:nvPr>
+        </p:nvPicPr>
+        <p:blipFill>
+          <a:blip r:embed="rId2">
+            <a:extLst>
+              <a:ext uri="{28A0092B-C50C-407E-A947-70E740481C1C}">
+                <a14:useLocalDpi xmlns:a14="http://schemas.microsoft.com/office/drawing/2010/main" val="0"/>
+              </a:ext>
+            </a:extLst>
+          </a:blip>
+          <a:stretch>
+            <a:fillRect/>
+          </a:stretch>
+        </p:blipFill>
+        <p:spPr>
+          <a:xfrm>
+            <a:off x="5753100" y="1458595"/>
+            <a:ext cx="6139170" cy="4351338"/>
           </a:xfrm>
         </p:spPr>
       </p:pic>
@@ -3164,6 +3318,1130 @@
     <p:extLst>
       <p:ext uri="{BB962C8B-B14F-4D97-AF65-F5344CB8AC3E}">
         <p14:creationId xmlns:p14="http://schemas.microsoft.com/office/powerpoint/2010/main" val="36960270"/>
+      </p:ext>
+    </p:extLst>
+  </p:cSld>
+  <p:clrMapOvr>
+    <a:masterClrMapping/>
+  </p:clrMapOvr>
+</p:sld>
+</file>
+
+<file path=ppt/slides/slide12.xml><?xml version="1.0" encoding="utf-8"?>
+<p:sld xmlns:a="http://schemas.openxmlformats.org/drawingml/2006/main" xmlns:r="http://schemas.openxmlformats.org/officeDocument/2006/relationships" xmlns:p="http://schemas.openxmlformats.org/presentationml/2006/main">
+  <p:cSld>
+    <p:spTree>
+      <p:nvGrpSpPr>
+        <p:cNvPr id="1" name=""/>
+        <p:cNvGrpSpPr/>
+        <p:nvPr/>
+      </p:nvGrpSpPr>
+      <p:grpSpPr>
+        <a:xfrm>
+          <a:off x="0" y="0"/>
+          <a:ext cx="0" cy="0"/>
+          <a:chOff x="0" y="0"/>
+          <a:chExt cx="0" cy="0"/>
+        </a:xfrm>
+      </p:grpSpPr>
+      <p:sp>
+        <p:nvSpPr>
+          <p:cNvPr id="4" name="Title 1"/>
+          <p:cNvSpPr txBox="1">
+            <a:spLocks/>
+          </p:cNvSpPr>
+          <p:nvPr/>
+        </p:nvSpPr>
+        <p:spPr>
+          <a:xfrm>
+            <a:off x="279400" y="241300"/>
+            <a:ext cx="4406900" cy="1325563"/>
+          </a:xfrm>
+          <a:prstGeom prst="rect">
+            <a:avLst/>
+          </a:prstGeom>
+        </p:spPr>
+        <p:txBody>
+          <a:bodyPr vert="horz" lIns="91440" tIns="45720" rIns="91440" bIns="45720" rtlCol="0" anchor="ctr">
+            <a:normAutofit/>
+          </a:bodyPr>
+          <a:lstStyle>
+            <a:lvl1pPr algn="l" defTabSz="914400" rtl="0" eaLnBrk="1" latinLnBrk="0" hangingPunct="1">
+              <a:lnSpc>
+                <a:spcPct val="90000"/>
+              </a:lnSpc>
+              <a:spcBef>
+                <a:spcPct val="0"/>
+              </a:spcBef>
+              <a:buNone/>
+              <a:defRPr sz="4400" kern="1200">
+                <a:solidFill>
+                  <a:schemeClr val="tx1"/>
+                </a:solidFill>
+                <a:latin typeface="+mj-lt"/>
+                <a:ea typeface="+mj-ea"/>
+                <a:cs typeface="+mj-cs"/>
+              </a:defRPr>
+            </a:lvl1pPr>
+          </a:lstStyle>
+          <a:p>
+            <a:r>
+              <a:rPr lang="en-US" dirty="0" smtClean="0"/>
+              <a:t>Car Details</a:t>
+            </a:r>
+            <a:endParaRPr lang="en-US" dirty="0"/>
+          </a:p>
+        </p:txBody>
+      </p:sp>
+      <p:sp>
+        <p:nvSpPr>
+          <p:cNvPr id="6" name="TextBox 5"/>
+          <p:cNvSpPr txBox="1"/>
+          <p:nvPr/>
+        </p:nvSpPr>
+        <p:spPr>
+          <a:xfrm>
+            <a:off x="584200" y="2744401"/>
+            <a:ext cx="5689600" cy="1477328"/>
+          </a:xfrm>
+          <a:prstGeom prst="rect">
+            <a:avLst/>
+          </a:prstGeom>
+          <a:noFill/>
+        </p:spPr>
+        <p:txBody>
+          <a:bodyPr wrap="square" rtlCol="0">
+            <a:spAutoFit/>
+          </a:bodyPr>
+          <a:lstStyle/>
+          <a:p>
+            <a:r>
+              <a:rPr lang="en-US" dirty="0" smtClean="0"/>
+              <a:t>The Manage Car button from the previous form will take the user to the Car Details form. On this form the user is able to view, update and delete the car and add a ser</a:t>
+            </a:r>
+            <a:r>
+              <a:rPr lang="en-US" dirty="0" smtClean="0"/>
+              <a:t>vice to the car. The user is also able to view the loan and service history and view a specific service and repairs.</a:t>
+            </a:r>
+            <a:endParaRPr lang="en-US" dirty="0" smtClean="0"/>
+          </a:p>
+        </p:txBody>
+      </p:sp>
+      <p:pic>
+        <p:nvPicPr>
+          <p:cNvPr id="3" name="Content Placeholder 2"/>
+          <p:cNvPicPr>
+            <a:picLocks noGrp="1" noChangeAspect="1"/>
+          </p:cNvPicPr>
+          <p:nvPr>
+            <p:ph idx="1"/>
+          </p:nvPr>
+        </p:nvPicPr>
+        <p:blipFill>
+          <a:blip r:embed="rId2">
+            <a:extLst>
+              <a:ext uri="{28A0092B-C50C-407E-A947-70E740481C1C}">
+                <a14:useLocalDpi xmlns:a14="http://schemas.microsoft.com/office/drawing/2010/main" val="0"/>
+              </a:ext>
+            </a:extLst>
+          </a:blip>
+          <a:stretch>
+            <a:fillRect/>
+          </a:stretch>
+        </p:blipFill>
+        <p:spPr>
+          <a:xfrm>
+            <a:off x="6689528" y="904081"/>
+            <a:ext cx="4664271" cy="5463000"/>
+          </a:xfrm>
+        </p:spPr>
+      </p:pic>
+    </p:spTree>
+    <p:extLst>
+      <p:ext uri="{BB962C8B-B14F-4D97-AF65-F5344CB8AC3E}">
+        <p14:creationId xmlns:p14="http://schemas.microsoft.com/office/powerpoint/2010/main" val="1833256578"/>
+      </p:ext>
+    </p:extLst>
+  </p:cSld>
+  <p:clrMapOvr>
+    <a:masterClrMapping/>
+  </p:clrMapOvr>
+</p:sld>
+</file>
+
+<file path=ppt/slides/slide13.xml><?xml version="1.0" encoding="utf-8"?>
+<p:sld xmlns:a="http://schemas.openxmlformats.org/drawingml/2006/main" xmlns:r="http://schemas.openxmlformats.org/officeDocument/2006/relationships" xmlns:p="http://schemas.openxmlformats.org/presentationml/2006/main">
+  <p:cSld>
+    <p:spTree>
+      <p:nvGrpSpPr>
+        <p:cNvPr id="1" name=""/>
+        <p:cNvGrpSpPr/>
+        <p:nvPr/>
+      </p:nvGrpSpPr>
+      <p:grpSpPr>
+        <a:xfrm>
+          <a:off x="0" y="0"/>
+          <a:ext cx="0" cy="0"/>
+          <a:chOff x="0" y="0"/>
+          <a:chExt cx="0" cy="0"/>
+        </a:xfrm>
+      </p:grpSpPr>
+      <p:sp>
+        <p:nvSpPr>
+          <p:cNvPr id="4" name="Title 1"/>
+          <p:cNvSpPr txBox="1">
+            <a:spLocks/>
+          </p:cNvSpPr>
+          <p:nvPr/>
+        </p:nvSpPr>
+        <p:spPr>
+          <a:xfrm>
+            <a:off x="279400" y="241300"/>
+            <a:ext cx="4406900" cy="1325563"/>
+          </a:xfrm>
+          <a:prstGeom prst="rect">
+            <a:avLst/>
+          </a:prstGeom>
+        </p:spPr>
+        <p:txBody>
+          <a:bodyPr vert="horz" lIns="91440" tIns="45720" rIns="91440" bIns="45720" rtlCol="0" anchor="ctr">
+            <a:normAutofit/>
+          </a:bodyPr>
+          <a:lstStyle>
+            <a:lvl1pPr algn="l" defTabSz="914400" rtl="0" eaLnBrk="1" latinLnBrk="0" hangingPunct="1">
+              <a:lnSpc>
+                <a:spcPct val="90000"/>
+              </a:lnSpc>
+              <a:spcBef>
+                <a:spcPct val="0"/>
+              </a:spcBef>
+              <a:buNone/>
+              <a:defRPr sz="4400" kern="1200">
+                <a:solidFill>
+                  <a:schemeClr val="tx1"/>
+                </a:solidFill>
+                <a:latin typeface="+mj-lt"/>
+                <a:ea typeface="+mj-ea"/>
+                <a:cs typeface="+mj-cs"/>
+              </a:defRPr>
+            </a:lvl1pPr>
+          </a:lstStyle>
+          <a:p>
+            <a:r>
+              <a:rPr lang="en-US" dirty="0" smtClean="0"/>
+              <a:t>Car Details</a:t>
+            </a:r>
+            <a:endParaRPr lang="en-US" dirty="0"/>
+          </a:p>
+        </p:txBody>
+      </p:sp>
+      <p:sp>
+        <p:nvSpPr>
+          <p:cNvPr id="6" name="TextBox 5"/>
+          <p:cNvSpPr txBox="1"/>
+          <p:nvPr/>
+        </p:nvSpPr>
+        <p:spPr>
+          <a:xfrm>
+            <a:off x="584200" y="2882899"/>
+            <a:ext cx="5689600" cy="1754326"/>
+          </a:xfrm>
+          <a:prstGeom prst="rect">
+            <a:avLst/>
+          </a:prstGeom>
+          <a:noFill/>
+        </p:spPr>
+        <p:txBody>
+          <a:bodyPr wrap="square" rtlCol="0">
+            <a:spAutoFit/>
+          </a:bodyPr>
+          <a:lstStyle/>
+          <a:p>
+            <a:r>
+              <a:rPr lang="en-US" dirty="0" smtClean="0"/>
+              <a:t>When the user clicks the edit button, the fields change to editable text boxes and combo boxes allowing the user to amend any detail of the car. The changes are then saved by clicking the Update button. An action such as deleting a car can be undone or redone by selecting undo or redo from the edit menu.</a:t>
+            </a:r>
+            <a:endParaRPr lang="en-US" dirty="0" smtClean="0"/>
+          </a:p>
+        </p:txBody>
+      </p:sp>
+      <p:pic>
+        <p:nvPicPr>
+          <p:cNvPr id="5" name="Content Placeholder 4"/>
+          <p:cNvPicPr>
+            <a:picLocks noGrp="1" noChangeAspect="1"/>
+          </p:cNvPicPr>
+          <p:nvPr>
+            <p:ph idx="1"/>
+          </p:nvPr>
+        </p:nvPicPr>
+        <p:blipFill>
+          <a:blip r:embed="rId2">
+            <a:extLst>
+              <a:ext uri="{28A0092B-C50C-407E-A947-70E740481C1C}">
+                <a14:useLocalDpi xmlns:a14="http://schemas.microsoft.com/office/drawing/2010/main" val="0"/>
+              </a:ext>
+            </a:extLst>
+          </a:blip>
+          <a:stretch>
+            <a:fillRect/>
+          </a:stretch>
+        </p:blipFill>
+        <p:spPr>
+          <a:xfrm>
+            <a:off x="6657430" y="686544"/>
+            <a:ext cx="4759870" cy="5593041"/>
+          </a:xfrm>
+        </p:spPr>
+      </p:pic>
+    </p:spTree>
+    <p:extLst>
+      <p:ext uri="{BB962C8B-B14F-4D97-AF65-F5344CB8AC3E}">
+        <p14:creationId xmlns:p14="http://schemas.microsoft.com/office/powerpoint/2010/main" val="570574391"/>
+      </p:ext>
+    </p:extLst>
+  </p:cSld>
+  <p:clrMapOvr>
+    <a:masterClrMapping/>
+  </p:clrMapOvr>
+</p:sld>
+</file>
+
+<file path=ppt/slides/slide14.xml><?xml version="1.0" encoding="utf-8"?>
+<p:sld xmlns:a="http://schemas.openxmlformats.org/drawingml/2006/main" xmlns:r="http://schemas.openxmlformats.org/officeDocument/2006/relationships" xmlns:p="http://schemas.openxmlformats.org/presentationml/2006/main">
+  <p:cSld>
+    <p:spTree>
+      <p:nvGrpSpPr>
+        <p:cNvPr id="1" name=""/>
+        <p:cNvGrpSpPr/>
+        <p:nvPr/>
+      </p:nvGrpSpPr>
+      <p:grpSpPr>
+        <a:xfrm>
+          <a:off x="0" y="0"/>
+          <a:ext cx="0" cy="0"/>
+          <a:chOff x="0" y="0"/>
+          <a:chExt cx="0" cy="0"/>
+        </a:xfrm>
+      </p:grpSpPr>
+      <p:sp>
+        <p:nvSpPr>
+          <p:cNvPr id="4" name="Title 1"/>
+          <p:cNvSpPr txBox="1">
+            <a:spLocks/>
+          </p:cNvSpPr>
+          <p:nvPr/>
+        </p:nvSpPr>
+        <p:spPr>
+          <a:xfrm>
+            <a:off x="279400" y="241300"/>
+            <a:ext cx="4406900" cy="1325563"/>
+          </a:xfrm>
+          <a:prstGeom prst="rect">
+            <a:avLst/>
+          </a:prstGeom>
+        </p:spPr>
+        <p:txBody>
+          <a:bodyPr vert="horz" lIns="91440" tIns="45720" rIns="91440" bIns="45720" rtlCol="0" anchor="ctr">
+            <a:normAutofit/>
+          </a:bodyPr>
+          <a:lstStyle>
+            <a:lvl1pPr algn="l" defTabSz="914400" rtl="0" eaLnBrk="1" latinLnBrk="0" hangingPunct="1">
+              <a:lnSpc>
+                <a:spcPct val="90000"/>
+              </a:lnSpc>
+              <a:spcBef>
+                <a:spcPct val="0"/>
+              </a:spcBef>
+              <a:buNone/>
+              <a:defRPr sz="4400" kern="1200">
+                <a:solidFill>
+                  <a:schemeClr val="tx1"/>
+                </a:solidFill>
+                <a:latin typeface="+mj-lt"/>
+                <a:ea typeface="+mj-ea"/>
+                <a:cs typeface="+mj-cs"/>
+              </a:defRPr>
+            </a:lvl1pPr>
+          </a:lstStyle>
+          <a:p>
+            <a:r>
+              <a:rPr lang="en-US" dirty="0" smtClean="0"/>
+              <a:t>Car Check</a:t>
+            </a:r>
+            <a:endParaRPr lang="en-US" dirty="0"/>
+          </a:p>
+        </p:txBody>
+      </p:sp>
+      <p:sp>
+        <p:nvSpPr>
+          <p:cNvPr id="6" name="TextBox 5"/>
+          <p:cNvSpPr txBox="1"/>
+          <p:nvPr/>
+        </p:nvSpPr>
+        <p:spPr>
+          <a:xfrm>
+            <a:off x="508000" y="2603499"/>
+            <a:ext cx="5600700" cy="2308324"/>
+          </a:xfrm>
+          <a:prstGeom prst="rect">
+            <a:avLst/>
+          </a:prstGeom>
+          <a:noFill/>
+        </p:spPr>
+        <p:txBody>
+          <a:bodyPr wrap="square" rtlCol="0">
+            <a:spAutoFit/>
+          </a:bodyPr>
+          <a:lstStyle/>
+          <a:p>
+            <a:r>
+              <a:rPr lang="en-US" dirty="0" smtClean="0"/>
+              <a:t>For a car awaiting prep, clicking the ‘Check’ button from the Manage Cars form will take the user to the Car Check form where they can approve the car to become available to be loaned out. The user can enter comments, fuel level and mileage about the car after it has been returned. If the car has been damaged, the user can tick the Car Damaged box which will set the car’s status to ‘Damaged’, requiring the car to be repaired.</a:t>
+            </a:r>
+            <a:endParaRPr lang="en-US" dirty="0" smtClean="0"/>
+          </a:p>
+        </p:txBody>
+      </p:sp>
+      <p:pic>
+        <p:nvPicPr>
+          <p:cNvPr id="3" name="Content Placeholder 2"/>
+          <p:cNvPicPr>
+            <a:picLocks noGrp="1" noChangeAspect="1"/>
+          </p:cNvPicPr>
+          <p:nvPr>
+            <p:ph idx="1"/>
+          </p:nvPr>
+        </p:nvPicPr>
+        <p:blipFill>
+          <a:blip r:embed="rId2">
+            <a:extLst>
+              <a:ext uri="{28A0092B-C50C-407E-A947-70E740481C1C}">
+                <a14:useLocalDpi xmlns:a14="http://schemas.microsoft.com/office/drawing/2010/main" val="0"/>
+              </a:ext>
+            </a:extLst>
+          </a:blip>
+          <a:stretch>
+            <a:fillRect/>
+          </a:stretch>
+        </p:blipFill>
+        <p:spPr>
+          <a:xfrm>
+            <a:off x="6464300" y="770907"/>
+            <a:ext cx="5118100" cy="5424312"/>
+          </a:xfrm>
+        </p:spPr>
+      </p:pic>
+    </p:spTree>
+    <p:extLst>
+      <p:ext uri="{BB962C8B-B14F-4D97-AF65-F5344CB8AC3E}">
+        <p14:creationId xmlns:p14="http://schemas.microsoft.com/office/powerpoint/2010/main" val="2016407533"/>
+      </p:ext>
+    </p:extLst>
+  </p:cSld>
+  <p:clrMapOvr>
+    <a:masterClrMapping/>
+  </p:clrMapOvr>
+</p:sld>
+</file>
+
+<file path=ppt/slides/slide15.xml><?xml version="1.0" encoding="utf-8"?>
+<p:sld xmlns:a="http://schemas.openxmlformats.org/drawingml/2006/main" xmlns:r="http://schemas.openxmlformats.org/officeDocument/2006/relationships" xmlns:p="http://schemas.openxmlformats.org/presentationml/2006/main">
+  <p:cSld>
+    <p:spTree>
+      <p:nvGrpSpPr>
+        <p:cNvPr id="1" name=""/>
+        <p:cNvGrpSpPr/>
+        <p:nvPr/>
+      </p:nvGrpSpPr>
+      <p:grpSpPr>
+        <a:xfrm>
+          <a:off x="0" y="0"/>
+          <a:ext cx="0" cy="0"/>
+          <a:chOff x="0" y="0"/>
+          <a:chExt cx="0" cy="0"/>
+        </a:xfrm>
+      </p:grpSpPr>
+      <p:sp>
+        <p:nvSpPr>
+          <p:cNvPr id="4" name="Title 1"/>
+          <p:cNvSpPr txBox="1">
+            <a:spLocks/>
+          </p:cNvSpPr>
+          <p:nvPr/>
+        </p:nvSpPr>
+        <p:spPr>
+          <a:xfrm>
+            <a:off x="279400" y="241300"/>
+            <a:ext cx="4406900" cy="1325563"/>
+          </a:xfrm>
+          <a:prstGeom prst="rect">
+            <a:avLst/>
+          </a:prstGeom>
+        </p:spPr>
+        <p:txBody>
+          <a:bodyPr vert="horz" lIns="91440" tIns="45720" rIns="91440" bIns="45720" rtlCol="0" anchor="ctr">
+            <a:normAutofit/>
+          </a:bodyPr>
+          <a:lstStyle>
+            <a:lvl1pPr algn="l" defTabSz="914400" rtl="0" eaLnBrk="1" latinLnBrk="0" hangingPunct="1">
+              <a:lnSpc>
+                <a:spcPct val="90000"/>
+              </a:lnSpc>
+              <a:spcBef>
+                <a:spcPct val="0"/>
+              </a:spcBef>
+              <a:buNone/>
+              <a:defRPr sz="4400" kern="1200">
+                <a:solidFill>
+                  <a:schemeClr val="tx1"/>
+                </a:solidFill>
+                <a:latin typeface="+mj-lt"/>
+                <a:ea typeface="+mj-ea"/>
+                <a:cs typeface="+mj-cs"/>
+              </a:defRPr>
+            </a:lvl1pPr>
+          </a:lstStyle>
+          <a:p>
+            <a:r>
+              <a:rPr lang="en-US" dirty="0" smtClean="0"/>
+              <a:t>Add Service</a:t>
+            </a:r>
+            <a:endParaRPr lang="en-US" dirty="0"/>
+          </a:p>
+        </p:txBody>
+      </p:sp>
+      <p:sp>
+        <p:nvSpPr>
+          <p:cNvPr id="6" name="TextBox 5"/>
+          <p:cNvSpPr txBox="1"/>
+          <p:nvPr/>
+        </p:nvSpPr>
+        <p:spPr>
+          <a:xfrm>
+            <a:off x="381000" y="3095513"/>
+            <a:ext cx="5283200" cy="1200329"/>
+          </a:xfrm>
+          <a:prstGeom prst="rect">
+            <a:avLst/>
+          </a:prstGeom>
+          <a:noFill/>
+        </p:spPr>
+        <p:txBody>
+          <a:bodyPr wrap="square" rtlCol="0">
+            <a:spAutoFit/>
+          </a:bodyPr>
+          <a:lstStyle/>
+          <a:p>
+            <a:r>
+              <a:rPr lang="en-US" dirty="0" smtClean="0"/>
+              <a:t>By clicking the Add Service button from the previous form, the user is shown a form where they can enter information about a service such as the mechanic, summary, date </a:t>
+            </a:r>
+            <a:r>
+              <a:rPr lang="en-US" smtClean="0"/>
+              <a:t>and repairs.</a:t>
+            </a:r>
+            <a:endParaRPr lang="en-US" dirty="0" smtClean="0"/>
+          </a:p>
+        </p:txBody>
+      </p:sp>
+      <p:pic>
+        <p:nvPicPr>
+          <p:cNvPr id="5" name="Content Placeholder 4"/>
+          <p:cNvPicPr>
+            <a:picLocks noGrp="1" noChangeAspect="1"/>
+          </p:cNvPicPr>
+          <p:nvPr>
+            <p:ph idx="1"/>
+          </p:nvPr>
+        </p:nvPicPr>
+        <p:blipFill>
+          <a:blip r:embed="rId2">
+            <a:extLst>
+              <a:ext uri="{28A0092B-C50C-407E-A947-70E740481C1C}">
+                <a14:useLocalDpi xmlns:a14="http://schemas.microsoft.com/office/drawing/2010/main" val="0"/>
+              </a:ext>
+            </a:extLst>
+          </a:blip>
+          <a:stretch>
+            <a:fillRect/>
+          </a:stretch>
+        </p:blipFill>
+        <p:spPr>
+          <a:xfrm>
+            <a:off x="5664200" y="1841723"/>
+            <a:ext cx="6100832" cy="3581177"/>
+          </a:xfrm>
+        </p:spPr>
+      </p:pic>
+    </p:spTree>
+    <p:extLst>
+      <p:ext uri="{BB962C8B-B14F-4D97-AF65-F5344CB8AC3E}">
+        <p14:creationId xmlns:p14="http://schemas.microsoft.com/office/powerpoint/2010/main" val="809180425"/>
+      </p:ext>
+    </p:extLst>
+  </p:cSld>
+  <p:clrMapOvr>
+    <a:masterClrMapping/>
+  </p:clrMapOvr>
+</p:sld>
+</file>
+
+<file path=ppt/slides/slide16.xml><?xml version="1.0" encoding="utf-8"?>
+<p:sld xmlns:a="http://schemas.openxmlformats.org/drawingml/2006/main" xmlns:r="http://schemas.openxmlformats.org/officeDocument/2006/relationships" xmlns:p="http://schemas.openxmlformats.org/presentationml/2006/main">
+  <p:cSld>
+    <p:spTree>
+      <p:nvGrpSpPr>
+        <p:cNvPr id="1" name=""/>
+        <p:cNvGrpSpPr/>
+        <p:nvPr/>
+      </p:nvGrpSpPr>
+      <p:grpSpPr>
+        <a:xfrm>
+          <a:off x="0" y="0"/>
+          <a:ext cx="0" cy="0"/>
+          <a:chOff x="0" y="0"/>
+          <a:chExt cx="0" cy="0"/>
+        </a:xfrm>
+      </p:grpSpPr>
+      <p:sp>
+        <p:nvSpPr>
+          <p:cNvPr id="4" name="Title 1"/>
+          <p:cNvSpPr txBox="1">
+            <a:spLocks/>
+          </p:cNvSpPr>
+          <p:nvPr/>
+        </p:nvSpPr>
+        <p:spPr>
+          <a:xfrm>
+            <a:off x="279400" y="241300"/>
+            <a:ext cx="4406900" cy="1325563"/>
+          </a:xfrm>
+          <a:prstGeom prst="rect">
+            <a:avLst/>
+          </a:prstGeom>
+        </p:spPr>
+        <p:txBody>
+          <a:bodyPr vert="horz" lIns="91440" tIns="45720" rIns="91440" bIns="45720" rtlCol="0" anchor="ctr">
+            <a:normAutofit/>
+          </a:bodyPr>
+          <a:lstStyle>
+            <a:lvl1pPr algn="l" defTabSz="914400" rtl="0" eaLnBrk="1" latinLnBrk="0" hangingPunct="1">
+              <a:lnSpc>
+                <a:spcPct val="90000"/>
+              </a:lnSpc>
+              <a:spcBef>
+                <a:spcPct val="0"/>
+              </a:spcBef>
+              <a:buNone/>
+              <a:defRPr sz="4400" kern="1200">
+                <a:solidFill>
+                  <a:schemeClr val="tx1"/>
+                </a:solidFill>
+                <a:latin typeface="+mj-lt"/>
+                <a:ea typeface="+mj-ea"/>
+                <a:cs typeface="+mj-cs"/>
+              </a:defRPr>
+            </a:lvl1pPr>
+          </a:lstStyle>
+          <a:p>
+            <a:r>
+              <a:rPr lang="en-US" dirty="0" smtClean="0"/>
+              <a:t>Staff Search</a:t>
+            </a:r>
+            <a:endParaRPr lang="en-US" dirty="0"/>
+          </a:p>
+        </p:txBody>
+      </p:sp>
+      <p:sp>
+        <p:nvSpPr>
+          <p:cNvPr id="6" name="TextBox 5"/>
+          <p:cNvSpPr txBox="1"/>
+          <p:nvPr/>
+        </p:nvSpPr>
+        <p:spPr>
+          <a:xfrm>
+            <a:off x="685800" y="3095512"/>
+            <a:ext cx="5283200" cy="1477328"/>
+          </a:xfrm>
+          <a:prstGeom prst="rect">
+            <a:avLst/>
+          </a:prstGeom>
+          <a:noFill/>
+        </p:spPr>
+        <p:txBody>
+          <a:bodyPr wrap="square" rtlCol="0">
+            <a:spAutoFit/>
+          </a:bodyPr>
+          <a:lstStyle/>
+          <a:p>
+            <a:r>
+              <a:rPr lang="en-US" dirty="0" smtClean="0"/>
+              <a:t>The user can search for staff members using their staff number by selecting the Manage Members option from the management navigation page. The user can either edit, delete or add a staff member by selecting one of the options from this form.</a:t>
+            </a:r>
+            <a:endParaRPr lang="en-US" dirty="0" smtClean="0"/>
+          </a:p>
+        </p:txBody>
+      </p:sp>
+      <p:pic>
+        <p:nvPicPr>
+          <p:cNvPr id="3" name="Content Placeholder 2"/>
+          <p:cNvPicPr>
+            <a:picLocks noGrp="1" noChangeAspect="1"/>
+          </p:cNvPicPr>
+          <p:nvPr>
+            <p:ph idx="1"/>
+          </p:nvPr>
+        </p:nvPicPr>
+        <p:blipFill>
+          <a:blip r:embed="rId2">
+            <a:extLst>
+              <a:ext uri="{28A0092B-C50C-407E-A947-70E740481C1C}">
+                <a14:useLocalDpi xmlns:a14="http://schemas.microsoft.com/office/drawing/2010/main" val="0"/>
+              </a:ext>
+            </a:extLst>
+          </a:blip>
+          <a:stretch>
+            <a:fillRect/>
+          </a:stretch>
+        </p:blipFill>
+        <p:spPr>
+          <a:xfrm>
+            <a:off x="6731000" y="2698727"/>
+            <a:ext cx="4851400" cy="1993900"/>
+          </a:xfrm>
+        </p:spPr>
+      </p:pic>
+    </p:spTree>
+    <p:extLst>
+      <p:ext uri="{BB962C8B-B14F-4D97-AF65-F5344CB8AC3E}">
+        <p14:creationId xmlns:p14="http://schemas.microsoft.com/office/powerpoint/2010/main" val="1022648413"/>
+      </p:ext>
+    </p:extLst>
+  </p:cSld>
+  <p:clrMapOvr>
+    <a:masterClrMapping/>
+  </p:clrMapOvr>
+</p:sld>
+</file>
+
+<file path=ppt/slides/slide17.xml><?xml version="1.0" encoding="utf-8"?>
+<p:sld xmlns:a="http://schemas.openxmlformats.org/drawingml/2006/main" xmlns:r="http://schemas.openxmlformats.org/officeDocument/2006/relationships" xmlns:p="http://schemas.openxmlformats.org/presentationml/2006/main">
+  <p:cSld>
+    <p:spTree>
+      <p:nvGrpSpPr>
+        <p:cNvPr id="1" name=""/>
+        <p:cNvGrpSpPr/>
+        <p:nvPr/>
+      </p:nvGrpSpPr>
+      <p:grpSpPr>
+        <a:xfrm>
+          <a:off x="0" y="0"/>
+          <a:ext cx="0" cy="0"/>
+          <a:chOff x="0" y="0"/>
+          <a:chExt cx="0" cy="0"/>
+        </a:xfrm>
+      </p:grpSpPr>
+      <p:sp>
+        <p:nvSpPr>
+          <p:cNvPr id="4" name="Title 1"/>
+          <p:cNvSpPr txBox="1">
+            <a:spLocks/>
+          </p:cNvSpPr>
+          <p:nvPr/>
+        </p:nvSpPr>
+        <p:spPr>
+          <a:xfrm>
+            <a:off x="279400" y="241300"/>
+            <a:ext cx="4406900" cy="1325563"/>
+          </a:xfrm>
+          <a:prstGeom prst="rect">
+            <a:avLst/>
+          </a:prstGeom>
+        </p:spPr>
+        <p:txBody>
+          <a:bodyPr vert="horz" lIns="91440" tIns="45720" rIns="91440" bIns="45720" rtlCol="0" anchor="ctr">
+            <a:normAutofit/>
+          </a:bodyPr>
+          <a:lstStyle>
+            <a:lvl1pPr algn="l" defTabSz="914400" rtl="0" eaLnBrk="1" latinLnBrk="0" hangingPunct="1">
+              <a:lnSpc>
+                <a:spcPct val="90000"/>
+              </a:lnSpc>
+              <a:spcBef>
+                <a:spcPct val="0"/>
+              </a:spcBef>
+              <a:buNone/>
+              <a:defRPr sz="4400" kern="1200">
+                <a:solidFill>
+                  <a:schemeClr val="tx1"/>
+                </a:solidFill>
+                <a:latin typeface="+mj-lt"/>
+                <a:ea typeface="+mj-ea"/>
+                <a:cs typeface="+mj-cs"/>
+              </a:defRPr>
+            </a:lvl1pPr>
+          </a:lstStyle>
+          <a:p>
+            <a:r>
+              <a:rPr lang="en-US" dirty="0" smtClean="0"/>
+              <a:t>Staff Details</a:t>
+            </a:r>
+            <a:endParaRPr lang="en-US" dirty="0"/>
+          </a:p>
+        </p:txBody>
+      </p:sp>
+      <p:sp>
+        <p:nvSpPr>
+          <p:cNvPr id="6" name="TextBox 5"/>
+          <p:cNvSpPr txBox="1"/>
+          <p:nvPr/>
+        </p:nvSpPr>
+        <p:spPr>
+          <a:xfrm>
+            <a:off x="698500" y="2790712"/>
+            <a:ext cx="5283200" cy="2031325"/>
+          </a:xfrm>
+          <a:prstGeom prst="rect">
+            <a:avLst/>
+          </a:prstGeom>
+          <a:noFill/>
+        </p:spPr>
+        <p:txBody>
+          <a:bodyPr wrap="square" rtlCol="0">
+            <a:spAutoFit/>
+          </a:bodyPr>
+          <a:lstStyle/>
+          <a:p>
+            <a:r>
+              <a:rPr lang="en-US" dirty="0" smtClean="0"/>
+              <a:t>The Edit/Delete button from the previous form will take the user to the Staff Details form. On this form the user is able to view, update and delete the staff member. The user is also able to view the loan history. If the staff member is an administrator of the system, the user can change the password or take away their admin privileges.</a:t>
+            </a:r>
+            <a:endParaRPr lang="en-US" dirty="0" smtClean="0"/>
+          </a:p>
+        </p:txBody>
+      </p:sp>
+      <p:pic>
+        <p:nvPicPr>
+          <p:cNvPr id="5" name="Content Placeholder 4"/>
+          <p:cNvPicPr>
+            <a:picLocks noGrp="1" noChangeAspect="1"/>
+          </p:cNvPicPr>
+          <p:nvPr>
+            <p:ph idx="1"/>
+          </p:nvPr>
+        </p:nvPicPr>
+        <p:blipFill>
+          <a:blip r:embed="rId2">
+            <a:extLst>
+              <a:ext uri="{28A0092B-C50C-407E-A947-70E740481C1C}">
+                <a14:useLocalDpi xmlns:a14="http://schemas.microsoft.com/office/drawing/2010/main" val="0"/>
+              </a:ext>
+            </a:extLst>
+          </a:blip>
+          <a:stretch>
+            <a:fillRect/>
+          </a:stretch>
+        </p:blipFill>
+        <p:spPr>
+          <a:xfrm>
+            <a:off x="6464300" y="581025"/>
+            <a:ext cx="5092700" cy="5772758"/>
+          </a:xfrm>
+        </p:spPr>
+      </p:pic>
+    </p:spTree>
+    <p:extLst>
+      <p:ext uri="{BB962C8B-B14F-4D97-AF65-F5344CB8AC3E}">
+        <p14:creationId xmlns:p14="http://schemas.microsoft.com/office/powerpoint/2010/main" val="1931414790"/>
+      </p:ext>
+    </p:extLst>
+  </p:cSld>
+  <p:clrMapOvr>
+    <a:masterClrMapping/>
+  </p:clrMapOvr>
+</p:sld>
+</file>
+
+<file path=ppt/slides/slide18.xml><?xml version="1.0" encoding="utf-8"?>
+<p:sld xmlns:a="http://schemas.openxmlformats.org/drawingml/2006/main" xmlns:r="http://schemas.openxmlformats.org/officeDocument/2006/relationships" xmlns:p="http://schemas.openxmlformats.org/presentationml/2006/main">
+  <p:cSld>
+    <p:spTree>
+      <p:nvGrpSpPr>
+        <p:cNvPr id="1" name=""/>
+        <p:cNvGrpSpPr/>
+        <p:nvPr/>
+      </p:nvGrpSpPr>
+      <p:grpSpPr>
+        <a:xfrm>
+          <a:off x="0" y="0"/>
+          <a:ext cx="0" cy="0"/>
+          <a:chOff x="0" y="0"/>
+          <a:chExt cx="0" cy="0"/>
+        </a:xfrm>
+      </p:grpSpPr>
+      <p:sp>
+        <p:nvSpPr>
+          <p:cNvPr id="4" name="Title 1"/>
+          <p:cNvSpPr txBox="1">
+            <a:spLocks/>
+          </p:cNvSpPr>
+          <p:nvPr/>
+        </p:nvSpPr>
+        <p:spPr>
+          <a:xfrm>
+            <a:off x="279400" y="241300"/>
+            <a:ext cx="4406900" cy="1325563"/>
+          </a:xfrm>
+          <a:prstGeom prst="rect">
+            <a:avLst/>
+          </a:prstGeom>
+        </p:spPr>
+        <p:txBody>
+          <a:bodyPr vert="horz" lIns="91440" tIns="45720" rIns="91440" bIns="45720" rtlCol="0" anchor="ctr">
+            <a:normAutofit/>
+          </a:bodyPr>
+          <a:lstStyle>
+            <a:lvl1pPr algn="l" defTabSz="914400" rtl="0" eaLnBrk="1" latinLnBrk="0" hangingPunct="1">
+              <a:lnSpc>
+                <a:spcPct val="90000"/>
+              </a:lnSpc>
+              <a:spcBef>
+                <a:spcPct val="0"/>
+              </a:spcBef>
+              <a:buNone/>
+              <a:defRPr sz="4400" kern="1200">
+                <a:solidFill>
+                  <a:schemeClr val="tx1"/>
+                </a:solidFill>
+                <a:latin typeface="+mj-lt"/>
+                <a:ea typeface="+mj-ea"/>
+                <a:cs typeface="+mj-cs"/>
+              </a:defRPr>
+            </a:lvl1pPr>
+          </a:lstStyle>
+          <a:p>
+            <a:r>
+              <a:rPr lang="en-US" dirty="0" smtClean="0"/>
+              <a:t>Staff Details</a:t>
+            </a:r>
+            <a:endParaRPr lang="en-US" dirty="0"/>
+          </a:p>
+        </p:txBody>
+      </p:sp>
+      <p:sp>
+        <p:nvSpPr>
+          <p:cNvPr id="6" name="TextBox 5"/>
+          <p:cNvSpPr txBox="1"/>
+          <p:nvPr/>
+        </p:nvSpPr>
+        <p:spPr>
+          <a:xfrm>
+            <a:off x="673100" y="2765312"/>
+            <a:ext cx="5448300" cy="2031325"/>
+          </a:xfrm>
+          <a:prstGeom prst="rect">
+            <a:avLst/>
+          </a:prstGeom>
+          <a:noFill/>
+        </p:spPr>
+        <p:txBody>
+          <a:bodyPr wrap="square" rtlCol="0">
+            <a:spAutoFit/>
+          </a:bodyPr>
+          <a:lstStyle/>
+          <a:p>
+            <a:r>
+              <a:rPr lang="en-US" dirty="0" smtClean="0"/>
+              <a:t>When the user clicks the edit button, the fields change to editable text boxes and combo boxes allowing the user to amend any detail of the staff member. The changes are then saved by clicking the Update button. An action such as deleting a staff member can be undone or redone by selecting undo or redo from the edit menu.</a:t>
+            </a:r>
+            <a:endParaRPr lang="en-US" dirty="0" smtClean="0"/>
+          </a:p>
+        </p:txBody>
+      </p:sp>
+      <p:pic>
+        <p:nvPicPr>
+          <p:cNvPr id="3" name="Content Placeholder 2"/>
+          <p:cNvPicPr>
+            <a:picLocks noGrp="1" noChangeAspect="1"/>
+          </p:cNvPicPr>
+          <p:nvPr>
+            <p:ph idx="1"/>
+          </p:nvPr>
+        </p:nvPicPr>
+        <p:blipFill>
+          <a:blip r:embed="rId2">
+            <a:extLst>
+              <a:ext uri="{28A0092B-C50C-407E-A947-70E740481C1C}">
+                <a14:useLocalDpi xmlns:a14="http://schemas.microsoft.com/office/drawing/2010/main" val="0"/>
+              </a:ext>
+            </a:extLst>
+          </a:blip>
+          <a:stretch>
+            <a:fillRect/>
+          </a:stretch>
+        </p:blipFill>
+        <p:spPr>
+          <a:xfrm>
+            <a:off x="6477000" y="733425"/>
+            <a:ext cx="5016500" cy="5685368"/>
+          </a:xfrm>
+        </p:spPr>
+      </p:pic>
+    </p:spTree>
+    <p:extLst>
+      <p:ext uri="{BB962C8B-B14F-4D97-AF65-F5344CB8AC3E}">
+        <p14:creationId xmlns:p14="http://schemas.microsoft.com/office/powerpoint/2010/main" val="98679675"/>
+      </p:ext>
+    </p:extLst>
+  </p:cSld>
+  <p:clrMapOvr>
+    <a:masterClrMapping/>
+  </p:clrMapOvr>
+</p:sld>
+</file>
+
+<file path=ppt/slides/slide19.xml><?xml version="1.0" encoding="utf-8"?>
+<p:sld xmlns:a="http://schemas.openxmlformats.org/drawingml/2006/main" xmlns:r="http://schemas.openxmlformats.org/officeDocument/2006/relationships" xmlns:p="http://schemas.openxmlformats.org/presentationml/2006/main">
+  <p:cSld>
+    <p:spTree>
+      <p:nvGrpSpPr>
+        <p:cNvPr id="1" name=""/>
+        <p:cNvGrpSpPr/>
+        <p:nvPr/>
+      </p:nvGrpSpPr>
+      <p:grpSpPr>
+        <a:xfrm>
+          <a:off x="0" y="0"/>
+          <a:ext cx="0" cy="0"/>
+          <a:chOff x="0" y="0"/>
+          <a:chExt cx="0" cy="0"/>
+        </a:xfrm>
+      </p:grpSpPr>
+      <p:sp>
+        <p:nvSpPr>
+          <p:cNvPr id="4" name="Title 1"/>
+          <p:cNvSpPr txBox="1">
+            <a:spLocks/>
+          </p:cNvSpPr>
+          <p:nvPr/>
+        </p:nvSpPr>
+        <p:spPr>
+          <a:xfrm>
+            <a:off x="279400" y="241300"/>
+            <a:ext cx="4406900" cy="1325563"/>
+          </a:xfrm>
+          <a:prstGeom prst="rect">
+            <a:avLst/>
+          </a:prstGeom>
+        </p:spPr>
+        <p:txBody>
+          <a:bodyPr vert="horz" lIns="91440" tIns="45720" rIns="91440" bIns="45720" rtlCol="0" anchor="ctr">
+            <a:normAutofit/>
+          </a:bodyPr>
+          <a:lstStyle>
+            <a:lvl1pPr algn="l" defTabSz="914400" rtl="0" eaLnBrk="1" latinLnBrk="0" hangingPunct="1">
+              <a:lnSpc>
+                <a:spcPct val="90000"/>
+              </a:lnSpc>
+              <a:spcBef>
+                <a:spcPct val="0"/>
+              </a:spcBef>
+              <a:buNone/>
+              <a:defRPr sz="4400" kern="1200">
+                <a:solidFill>
+                  <a:schemeClr val="tx1"/>
+                </a:solidFill>
+                <a:latin typeface="+mj-lt"/>
+                <a:ea typeface="+mj-ea"/>
+                <a:cs typeface="+mj-cs"/>
+              </a:defRPr>
+            </a:lvl1pPr>
+          </a:lstStyle>
+          <a:p>
+            <a:r>
+              <a:rPr lang="en-US" dirty="0" smtClean="0"/>
+              <a:t>Manage Loans</a:t>
+            </a:r>
+            <a:endParaRPr lang="en-US" dirty="0"/>
+          </a:p>
+        </p:txBody>
+      </p:sp>
+      <p:sp>
+        <p:nvSpPr>
+          <p:cNvPr id="6" name="TextBox 5"/>
+          <p:cNvSpPr txBox="1"/>
+          <p:nvPr/>
+        </p:nvSpPr>
+        <p:spPr>
+          <a:xfrm>
+            <a:off x="508000" y="2765312"/>
+            <a:ext cx="4978400" cy="2031325"/>
+          </a:xfrm>
+          <a:prstGeom prst="rect">
+            <a:avLst/>
+          </a:prstGeom>
+          <a:noFill/>
+        </p:spPr>
+        <p:txBody>
+          <a:bodyPr wrap="square" rtlCol="0">
+            <a:spAutoFit/>
+          </a:bodyPr>
+          <a:lstStyle/>
+          <a:p>
+            <a:r>
+              <a:rPr lang="en-US" dirty="0" smtClean="0"/>
+              <a:t>The </a:t>
+            </a:r>
+            <a:r>
+              <a:rPr lang="en-US" dirty="0" smtClean="0"/>
+              <a:t>user can manage active or past loans by selecting the Loan Lookup option from the management navigation menu. The user can filter the loans shown in the list by either searching by </a:t>
+            </a:r>
+            <a:r>
+              <a:rPr lang="en-US" dirty="0" err="1" smtClean="0"/>
+              <a:t>reg</a:t>
+            </a:r>
+            <a:r>
+              <a:rPr lang="en-US" dirty="0" smtClean="0"/>
+              <a:t> number, staff ID or both and clicking Filter. A selected loan on the list can be viewed in detail and returned by clicking View Rental.</a:t>
+            </a:r>
+            <a:endParaRPr lang="en-US" dirty="0" smtClean="0"/>
+          </a:p>
+        </p:txBody>
+      </p:sp>
+      <p:pic>
+        <p:nvPicPr>
+          <p:cNvPr id="8" name="Content Placeholder 7"/>
+          <p:cNvPicPr>
+            <a:picLocks noGrp="1" noChangeAspect="1"/>
+          </p:cNvPicPr>
+          <p:nvPr>
+            <p:ph idx="1"/>
+          </p:nvPr>
+        </p:nvPicPr>
+        <p:blipFill>
+          <a:blip r:embed="rId2">
+            <a:extLst>
+              <a:ext uri="{28A0092B-C50C-407E-A947-70E740481C1C}">
+                <a14:useLocalDpi xmlns:a14="http://schemas.microsoft.com/office/drawing/2010/main" val="0"/>
+              </a:ext>
+            </a:extLst>
+          </a:blip>
+          <a:stretch>
+            <a:fillRect/>
+          </a:stretch>
+        </p:blipFill>
+        <p:spPr>
+          <a:xfrm>
+            <a:off x="5711473" y="1330325"/>
+            <a:ext cx="6103054" cy="4351338"/>
+          </a:xfrm>
+        </p:spPr>
+      </p:pic>
+    </p:spTree>
+    <p:extLst>
+      <p:ext uri="{BB962C8B-B14F-4D97-AF65-F5344CB8AC3E}">
+        <p14:creationId xmlns:p14="http://schemas.microsoft.com/office/powerpoint/2010/main" val="1716025310"/>
       </p:ext>
     </p:extLst>
   </p:cSld>
@@ -3281,6 +4559,312 @@
     <p:extLst>
       <p:ext uri="{BB962C8B-B14F-4D97-AF65-F5344CB8AC3E}">
         <p14:creationId xmlns:p14="http://schemas.microsoft.com/office/powerpoint/2010/main" val="1352151665"/>
+      </p:ext>
+    </p:extLst>
+  </p:cSld>
+  <p:clrMapOvr>
+    <a:masterClrMapping/>
+  </p:clrMapOvr>
+</p:sld>
+</file>
+
+<file path=ppt/slides/slide20.xml><?xml version="1.0" encoding="utf-8"?>
+<p:sld xmlns:a="http://schemas.openxmlformats.org/drawingml/2006/main" xmlns:r="http://schemas.openxmlformats.org/officeDocument/2006/relationships" xmlns:p="http://schemas.openxmlformats.org/presentationml/2006/main">
+  <p:cSld>
+    <p:spTree>
+      <p:nvGrpSpPr>
+        <p:cNvPr id="1" name=""/>
+        <p:cNvGrpSpPr/>
+        <p:nvPr/>
+      </p:nvGrpSpPr>
+      <p:grpSpPr>
+        <a:xfrm>
+          <a:off x="0" y="0"/>
+          <a:ext cx="0" cy="0"/>
+          <a:chOff x="0" y="0"/>
+          <a:chExt cx="0" cy="0"/>
+        </a:xfrm>
+      </p:grpSpPr>
+      <p:sp>
+        <p:nvSpPr>
+          <p:cNvPr id="4" name="Title 1"/>
+          <p:cNvSpPr txBox="1">
+            <a:spLocks/>
+          </p:cNvSpPr>
+          <p:nvPr/>
+        </p:nvSpPr>
+        <p:spPr>
+          <a:xfrm>
+            <a:off x="279400" y="241300"/>
+            <a:ext cx="4406900" cy="1325563"/>
+          </a:xfrm>
+          <a:prstGeom prst="rect">
+            <a:avLst/>
+          </a:prstGeom>
+        </p:spPr>
+        <p:txBody>
+          <a:bodyPr vert="horz" lIns="91440" tIns="45720" rIns="91440" bIns="45720" rtlCol="0" anchor="ctr">
+            <a:normAutofit/>
+          </a:bodyPr>
+          <a:lstStyle>
+            <a:lvl1pPr algn="l" defTabSz="914400" rtl="0" eaLnBrk="1" latinLnBrk="0" hangingPunct="1">
+              <a:lnSpc>
+                <a:spcPct val="90000"/>
+              </a:lnSpc>
+              <a:spcBef>
+                <a:spcPct val="0"/>
+              </a:spcBef>
+              <a:buNone/>
+              <a:defRPr sz="4400" kern="1200">
+                <a:solidFill>
+                  <a:schemeClr val="tx1"/>
+                </a:solidFill>
+                <a:latin typeface="+mj-lt"/>
+                <a:ea typeface="+mj-ea"/>
+                <a:cs typeface="+mj-cs"/>
+              </a:defRPr>
+            </a:lvl1pPr>
+          </a:lstStyle>
+          <a:p>
+            <a:r>
+              <a:rPr lang="en-US" dirty="0" smtClean="0"/>
+              <a:t>View/Return Loan</a:t>
+            </a:r>
+            <a:endParaRPr lang="en-US" dirty="0"/>
+          </a:p>
+        </p:txBody>
+      </p:sp>
+      <p:sp>
+        <p:nvSpPr>
+          <p:cNvPr id="6" name="TextBox 5"/>
+          <p:cNvSpPr txBox="1"/>
+          <p:nvPr/>
+        </p:nvSpPr>
+        <p:spPr>
+          <a:xfrm>
+            <a:off x="482600" y="1965212"/>
+            <a:ext cx="5943600" cy="2031325"/>
+          </a:xfrm>
+          <a:prstGeom prst="rect">
+            <a:avLst/>
+          </a:prstGeom>
+          <a:noFill/>
+        </p:spPr>
+        <p:txBody>
+          <a:bodyPr wrap="square" rtlCol="0">
+            <a:spAutoFit/>
+          </a:bodyPr>
+          <a:lstStyle/>
+          <a:p>
+            <a:r>
+              <a:rPr lang="en-US" dirty="0" smtClean="0"/>
+              <a:t>By clicking View Rental from the previous form, the View Loan form is shown. The user can view the details of the staff member that has taken out the loan, the details of the car that has been loaned and details of loan such as loan type, start date, etc. The car can be returned by pressing the Return Car button. The user will be asked to confirm the return of the car as shown below.</a:t>
+            </a:r>
+            <a:endParaRPr lang="en-US" dirty="0" smtClean="0"/>
+          </a:p>
+        </p:txBody>
+      </p:sp>
+      <p:pic>
+        <p:nvPicPr>
+          <p:cNvPr id="3" name="Content Placeholder 2"/>
+          <p:cNvPicPr>
+            <a:picLocks noGrp="1" noChangeAspect="1"/>
+          </p:cNvPicPr>
+          <p:nvPr>
+            <p:ph idx="1"/>
+          </p:nvPr>
+        </p:nvPicPr>
+        <p:blipFill>
+          <a:blip r:embed="rId2">
+            <a:extLst>
+              <a:ext uri="{28A0092B-C50C-407E-A947-70E740481C1C}">
+                <a14:useLocalDpi xmlns:a14="http://schemas.microsoft.com/office/drawing/2010/main" val="0"/>
+              </a:ext>
+            </a:extLst>
+          </a:blip>
+          <a:stretch>
+            <a:fillRect/>
+          </a:stretch>
+        </p:blipFill>
+        <p:spPr>
+          <a:xfrm>
+            <a:off x="7212948" y="761911"/>
+            <a:ext cx="4377674" cy="5553076"/>
+          </a:xfrm>
+        </p:spPr>
+      </p:pic>
+      <p:pic>
+        <p:nvPicPr>
+          <p:cNvPr id="5" name="Picture 4"/>
+          <p:cNvPicPr>
+            <a:picLocks noChangeAspect="1"/>
+          </p:cNvPicPr>
+          <p:nvPr/>
+        </p:nvPicPr>
+        <p:blipFill>
+          <a:blip r:embed="rId3">
+            <a:extLst>
+              <a:ext uri="{28A0092B-C50C-407E-A947-70E740481C1C}">
+                <a14:useLocalDpi xmlns:a14="http://schemas.microsoft.com/office/drawing/2010/main" val="0"/>
+              </a:ext>
+            </a:extLst>
+          </a:blip>
+          <a:stretch>
+            <a:fillRect/>
+          </a:stretch>
+        </p:blipFill>
+        <p:spPr>
+          <a:xfrm>
+            <a:off x="1066474" y="4542099"/>
+            <a:ext cx="4775526" cy="1772888"/>
+          </a:xfrm>
+          <a:prstGeom prst="rect">
+            <a:avLst/>
+          </a:prstGeom>
+        </p:spPr>
+      </p:pic>
+    </p:spTree>
+    <p:extLst>
+      <p:ext uri="{BB962C8B-B14F-4D97-AF65-F5344CB8AC3E}">
+        <p14:creationId xmlns:p14="http://schemas.microsoft.com/office/powerpoint/2010/main" val="1932733600"/>
+      </p:ext>
+    </p:extLst>
+  </p:cSld>
+  <p:clrMapOvr>
+    <a:masterClrMapping/>
+  </p:clrMapOvr>
+</p:sld>
+</file>
+
+<file path=ppt/slides/slide21.xml><?xml version="1.0" encoding="utf-8"?>
+<p:sld xmlns:a="http://schemas.openxmlformats.org/drawingml/2006/main" xmlns:r="http://schemas.openxmlformats.org/officeDocument/2006/relationships" xmlns:p="http://schemas.openxmlformats.org/presentationml/2006/main">
+  <p:cSld>
+    <p:spTree>
+      <p:nvGrpSpPr>
+        <p:cNvPr id="1" name=""/>
+        <p:cNvGrpSpPr/>
+        <p:nvPr/>
+      </p:nvGrpSpPr>
+      <p:grpSpPr>
+        <a:xfrm>
+          <a:off x="0" y="0"/>
+          <a:ext cx="0" cy="0"/>
+          <a:chOff x="0" y="0"/>
+          <a:chExt cx="0" cy="0"/>
+        </a:xfrm>
+      </p:grpSpPr>
+      <p:sp>
+        <p:nvSpPr>
+          <p:cNvPr id="4" name="Title 1"/>
+          <p:cNvSpPr txBox="1">
+            <a:spLocks/>
+          </p:cNvSpPr>
+          <p:nvPr/>
+        </p:nvSpPr>
+        <p:spPr>
+          <a:xfrm>
+            <a:off x="279400" y="241300"/>
+            <a:ext cx="4406900" cy="1325563"/>
+          </a:xfrm>
+          <a:prstGeom prst="rect">
+            <a:avLst/>
+          </a:prstGeom>
+        </p:spPr>
+        <p:txBody>
+          <a:bodyPr vert="horz" lIns="91440" tIns="45720" rIns="91440" bIns="45720" rtlCol="0" anchor="ctr">
+            <a:normAutofit/>
+          </a:bodyPr>
+          <a:lstStyle>
+            <a:lvl1pPr algn="l" defTabSz="914400" rtl="0" eaLnBrk="1" latinLnBrk="0" hangingPunct="1">
+              <a:lnSpc>
+                <a:spcPct val="90000"/>
+              </a:lnSpc>
+              <a:spcBef>
+                <a:spcPct val="0"/>
+              </a:spcBef>
+              <a:buNone/>
+              <a:defRPr sz="4400" kern="1200">
+                <a:solidFill>
+                  <a:schemeClr val="tx1"/>
+                </a:solidFill>
+                <a:latin typeface="+mj-lt"/>
+                <a:ea typeface="+mj-ea"/>
+                <a:cs typeface="+mj-cs"/>
+              </a:defRPr>
+            </a:lvl1pPr>
+          </a:lstStyle>
+          <a:p>
+            <a:r>
+              <a:rPr lang="en-US" dirty="0" smtClean="0"/>
+              <a:t>Car Lookup</a:t>
+            </a:r>
+            <a:endParaRPr lang="en-US" dirty="0"/>
+          </a:p>
+        </p:txBody>
+      </p:sp>
+      <p:sp>
+        <p:nvSpPr>
+          <p:cNvPr id="6" name="TextBox 5"/>
+          <p:cNvSpPr txBox="1"/>
+          <p:nvPr/>
+        </p:nvSpPr>
+        <p:spPr>
+          <a:xfrm>
+            <a:off x="508000" y="3042310"/>
+            <a:ext cx="5727700" cy="1477328"/>
+          </a:xfrm>
+          <a:prstGeom prst="rect">
+            <a:avLst/>
+          </a:prstGeom>
+          <a:noFill/>
+        </p:spPr>
+        <p:txBody>
+          <a:bodyPr wrap="square" rtlCol="0">
+            <a:spAutoFit/>
+          </a:bodyPr>
+          <a:lstStyle/>
+          <a:p>
+            <a:r>
+              <a:rPr lang="en-US" dirty="0" smtClean="0"/>
+              <a:t>The user can search for cars using the registration number by selecting the Car Lookup option from the management navigation page. The user can either edit, delete or add a car by selecting one of the options from this form and will be taken to the Car Details form show in previous slides.. </a:t>
+            </a:r>
+            <a:endParaRPr lang="en-US" dirty="0" smtClean="0"/>
+          </a:p>
+        </p:txBody>
+      </p:sp>
+      <p:pic>
+        <p:nvPicPr>
+          <p:cNvPr id="5" name="Content Placeholder 4"/>
+          <p:cNvPicPr>
+            <a:picLocks noGrp="1" noChangeAspect="1"/>
+          </p:cNvPicPr>
+          <p:nvPr>
+            <p:ph idx="1"/>
+          </p:nvPr>
+        </p:nvPicPr>
+        <p:blipFill>
+          <a:blip r:embed="rId2">
+            <a:extLst>
+              <a:ext uri="{28A0092B-C50C-407E-A947-70E740481C1C}">
+                <a14:useLocalDpi xmlns:a14="http://schemas.microsoft.com/office/drawing/2010/main" val="0"/>
+              </a:ext>
+            </a:extLst>
+          </a:blip>
+          <a:stretch>
+            <a:fillRect/>
+          </a:stretch>
+        </p:blipFill>
+        <p:spPr>
+          <a:xfrm>
+            <a:off x="6591300" y="2670925"/>
+            <a:ext cx="5156200" cy="1943100"/>
+          </a:xfrm>
+        </p:spPr>
+      </p:pic>
+    </p:spTree>
+    <p:extLst>
+      <p:ext uri="{BB962C8B-B14F-4D97-AF65-F5344CB8AC3E}">
+        <p14:creationId xmlns:p14="http://schemas.microsoft.com/office/powerpoint/2010/main" val="1938308493"/>
       </p:ext>
     </p:extLst>
   </p:cSld>
@@ -4176,7 +5760,7 @@
         <p:spPr>
           <a:xfrm>
             <a:off x="482600" y="2588370"/>
-            <a:ext cx="5270500" cy="2308324"/>
+            <a:ext cx="5067300" cy="2585323"/>
           </a:xfrm>
           <a:prstGeom prst="rect">
             <a:avLst/>
